--- a/Final_Project_Presentation.pptx
+++ b/Final_Project_Presentation.pptx
@@ -118,6 +118,9 @@
     <p:ext uri="{EFAFB233-063F-42B5-8137-9DF3F51BA10A}">
       <p15:sldGuideLst xmlns:p15="http://schemas.microsoft.com/office/powerpoint/2012/main"/>
     </p:ext>
+    <p:ext uri="{2D200454-40CA-4A62-9FC3-DE9A4176ACB9}">
+      <p15:notesGuideLst xmlns:p15="http://schemas.microsoft.com/office/powerpoint/2012/main"/>
+    </p:ext>
   </p:extLst>
 </p:presentation>
 </file>
@@ -204,7 +207,7 @@
           <a:p>
             <a:fld id="{AA3A06EB-E40B-4882-9410-6787011E598E}" type="datetimeFigureOut">
               <a:rPr lang="en-US" smtClean="0"/>
-              <a:t>12/1/2023</a:t>
+              <a:t>12/6/2023</a:t>
             </a:fld>
             <a:endParaRPr lang="en-US"/>
           </a:p>
@@ -526,6 +529,15 @@
               <a:t>Slightly simplified model of game.</a:t>
             </a:r>
           </a:p>
+          <a:p>
+            <a:endParaRPr lang="en-US" dirty="0"/>
+          </a:p>
+          <a:p>
+            <a:r>
+              <a:rPr lang="en-US" dirty="0"/>
+              <a:t>Very little research on Sequence (None).</a:t>
+            </a:r>
+          </a:p>
         </p:txBody>
       </p:sp>
       <p:sp>
@@ -686,8 +698,8 @@
         </p:nvSpPr>
         <p:spPr/>
       </p:sp>
-      <mc:AlternateContent xmlns:mc="http://schemas.openxmlformats.org/markup-compatibility/2006">
-        <mc:Choice xmlns:a14="http://schemas.microsoft.com/office/drawing/2010/main" Requires="a14">
+      <mc:AlternateContent xmlns:mc="http://schemas.openxmlformats.org/markup-compatibility/2006" xmlns:a14="http://schemas.microsoft.com/office/drawing/2010/main">
+        <mc:Choice Requires="a14">
           <p:sp>
             <p:nvSpPr>
               <p:cNvPr id="3" name="Notes Placeholder 2"/>
@@ -813,7 +825,7 @@
             </p:txBody>
           </p:sp>
         </mc:Choice>
-        <mc:Fallback>
+        <mc:Fallback xmlns="">
           <p:sp>
             <p:nvSpPr>
               <p:cNvPr id="3" name="Notes Placeholder 2"/>
@@ -1392,7 +1404,7 @@
           <a:p>
             <a:fld id="{E995A58A-C661-4EDE-8A14-9AA2502B47EE}" type="datetimeFigureOut">
               <a:rPr lang="en-US" smtClean="0"/>
-              <a:t>12/1/2023</a:t>
+              <a:t>12/6/2023</a:t>
             </a:fld>
             <a:endParaRPr lang="en-US"/>
           </a:p>
@@ -1590,7 +1602,7 @@
           <a:p>
             <a:fld id="{E995A58A-C661-4EDE-8A14-9AA2502B47EE}" type="datetimeFigureOut">
               <a:rPr lang="en-US" smtClean="0"/>
-              <a:t>12/1/2023</a:t>
+              <a:t>12/6/2023</a:t>
             </a:fld>
             <a:endParaRPr lang="en-US"/>
           </a:p>
@@ -1798,7 +1810,7 @@
           <a:p>
             <a:fld id="{E995A58A-C661-4EDE-8A14-9AA2502B47EE}" type="datetimeFigureOut">
               <a:rPr lang="en-US" smtClean="0"/>
-              <a:t>12/1/2023</a:t>
+              <a:t>12/6/2023</a:t>
             </a:fld>
             <a:endParaRPr lang="en-US"/>
           </a:p>
@@ -1996,7 +2008,7 @@
           <a:p>
             <a:fld id="{E995A58A-C661-4EDE-8A14-9AA2502B47EE}" type="datetimeFigureOut">
               <a:rPr lang="en-US" smtClean="0"/>
-              <a:t>12/1/2023</a:t>
+              <a:t>12/6/2023</a:t>
             </a:fld>
             <a:endParaRPr lang="en-US"/>
           </a:p>
@@ -2271,7 +2283,7 @@
           <a:p>
             <a:fld id="{E995A58A-C661-4EDE-8A14-9AA2502B47EE}" type="datetimeFigureOut">
               <a:rPr lang="en-US" smtClean="0"/>
-              <a:t>12/1/2023</a:t>
+              <a:t>12/6/2023</a:t>
             </a:fld>
             <a:endParaRPr lang="en-US"/>
           </a:p>
@@ -2536,7 +2548,7 @@
           <a:p>
             <a:fld id="{E995A58A-C661-4EDE-8A14-9AA2502B47EE}" type="datetimeFigureOut">
               <a:rPr lang="en-US" smtClean="0"/>
-              <a:t>12/1/2023</a:t>
+              <a:t>12/6/2023</a:t>
             </a:fld>
             <a:endParaRPr lang="en-US"/>
           </a:p>
@@ -2948,7 +2960,7 @@
           <a:p>
             <a:fld id="{E995A58A-C661-4EDE-8A14-9AA2502B47EE}" type="datetimeFigureOut">
               <a:rPr lang="en-US" smtClean="0"/>
-              <a:t>12/1/2023</a:t>
+              <a:t>12/6/2023</a:t>
             </a:fld>
             <a:endParaRPr lang="en-US"/>
           </a:p>
@@ -3089,7 +3101,7 @@
           <a:p>
             <a:fld id="{E995A58A-C661-4EDE-8A14-9AA2502B47EE}" type="datetimeFigureOut">
               <a:rPr lang="en-US" smtClean="0"/>
-              <a:t>12/1/2023</a:t>
+              <a:t>12/6/2023</a:t>
             </a:fld>
             <a:endParaRPr lang="en-US"/>
           </a:p>
@@ -3202,7 +3214,7 @@
           <a:p>
             <a:fld id="{E995A58A-C661-4EDE-8A14-9AA2502B47EE}" type="datetimeFigureOut">
               <a:rPr lang="en-US" smtClean="0"/>
-              <a:t>12/1/2023</a:t>
+              <a:t>12/6/2023</a:t>
             </a:fld>
             <a:endParaRPr lang="en-US"/>
           </a:p>
@@ -3513,7 +3525,7 @@
           <a:p>
             <a:fld id="{E995A58A-C661-4EDE-8A14-9AA2502B47EE}" type="datetimeFigureOut">
               <a:rPr lang="en-US" smtClean="0"/>
-              <a:t>12/1/2023</a:t>
+              <a:t>12/6/2023</a:t>
             </a:fld>
             <a:endParaRPr lang="en-US"/>
           </a:p>
@@ -3801,7 +3813,7 @@
           <a:p>
             <a:fld id="{E995A58A-C661-4EDE-8A14-9AA2502B47EE}" type="datetimeFigureOut">
               <a:rPr lang="en-US" smtClean="0"/>
-              <a:t>12/1/2023</a:t>
+              <a:t>12/6/2023</a:t>
             </a:fld>
             <a:endParaRPr lang="en-US"/>
           </a:p>
@@ -4042,7 +4054,7 @@
           <a:p>
             <a:fld id="{E995A58A-C661-4EDE-8A14-9AA2502B47EE}" type="datetimeFigureOut">
               <a:rPr lang="en-US" smtClean="0"/>
-              <a:t>12/1/2023</a:t>
+              <a:t>12/6/2023</a:t>
             </a:fld>
             <a:endParaRPr lang="en-US"/>
           </a:p>
@@ -4603,7 +4615,7 @@
           <a:p>
             <a:r>
               <a:rPr lang="en-US" dirty="0"/>
-              <a:t>Each player has 5 cards.</a:t>
+              <a:t>Each player has 5 cards in their hand.</a:t>
             </a:r>
           </a:p>
           <a:p>
@@ -4655,8 +4667,53 @@
         </p:blipFill>
         <p:spPr bwMode="auto">
           <a:xfrm>
-            <a:off x="6492240" y="1584910"/>
-            <a:ext cx="5314273" cy="4351338"/>
+            <a:off x="7399356" y="365125"/>
+            <a:ext cx="4153334" cy="3400759"/>
+          </a:xfrm>
+          <a:prstGeom prst="rect">
+            <a:avLst/>
+          </a:prstGeom>
+          <a:noFill/>
+          <a:extLst>
+            <a:ext uri="{909E8E84-426E-40DD-AFC4-6F175D3DCCD1}">
+              <a14:hiddenFill xmlns:a14="http://schemas.microsoft.com/office/drawing/2010/main">
+                <a:solidFill>
+                  <a:srgbClr val="FFFFFF"/>
+                </a:solidFill>
+              </a14:hiddenFill>
+            </a:ext>
+          </a:extLst>
+        </p:spPr>
+      </p:pic>
+      <p:pic>
+        <p:nvPicPr>
+          <p:cNvPr id="1026" name="Picture 2">
+            <a:extLst>
+              <a:ext uri="{FF2B5EF4-FFF2-40B4-BE49-F238E27FC236}">
+                <a16:creationId xmlns:a16="http://schemas.microsoft.com/office/drawing/2014/main" id="{504E2763-0E3E-34DA-01EE-4A3DEB8A0DDB}"/>
+              </a:ext>
+            </a:extLst>
+          </p:cNvPr>
+          <p:cNvPicPr>
+            <a:picLocks noChangeAspect="1" noChangeArrowheads="1"/>
+          </p:cNvPicPr>
+          <p:nvPr/>
+        </p:nvPicPr>
+        <p:blipFill rotWithShape="1">
+          <a:blip r:embed="rId4">
+            <a:extLst>
+              <a:ext uri="{28A0092B-C50C-407E-A947-70E740481C1C}">
+                <a14:useLocalDpi xmlns:a14="http://schemas.microsoft.com/office/drawing/2010/main" val="0"/>
+              </a:ext>
+            </a:extLst>
+          </a:blip>
+          <a:srcRect l="9961" t="10176" r="15076" b="9465"/>
+          <a:stretch/>
+        </p:blipFill>
+        <p:spPr bwMode="auto">
+          <a:xfrm>
+            <a:off x="8128519" y="3850105"/>
+            <a:ext cx="2695007" cy="2733766"/>
           </a:xfrm>
           <a:prstGeom prst="rect">
             <a:avLst/>
@@ -4731,8 +4788,8 @@
           </a:p>
         </p:txBody>
       </p:sp>
-      <mc:AlternateContent xmlns:mc="http://schemas.openxmlformats.org/markup-compatibility/2006">
-        <mc:Choice xmlns:a14="http://schemas.microsoft.com/office/drawing/2010/main" Requires="a14">
+      <mc:AlternateContent xmlns:mc="http://schemas.openxmlformats.org/markup-compatibility/2006" xmlns:a14="http://schemas.microsoft.com/office/drawing/2010/main">
+        <mc:Choice Requires="a14">
           <p:sp>
             <p:nvSpPr>
               <p:cNvPr id="3" name="Content Placeholder 2">
@@ -5116,7 +5173,7 @@
             </p:txBody>
           </p:sp>
         </mc:Choice>
-        <mc:Fallback>
+        <mc:Fallback xmlns="">
           <p:sp>
             <p:nvSpPr>
               <p:cNvPr id="3" name="Content Placeholder 2">
@@ -5214,8 +5271,8 @@
           </a:p>
         </p:txBody>
       </p:sp>
-      <mc:AlternateContent xmlns:mc="http://schemas.openxmlformats.org/markup-compatibility/2006">
-        <mc:Choice xmlns:a14="http://schemas.microsoft.com/office/drawing/2010/main" Requires="a14">
+      <mc:AlternateContent xmlns:mc="http://schemas.openxmlformats.org/markup-compatibility/2006" xmlns:a14="http://schemas.microsoft.com/office/drawing/2010/main">
+        <mc:Choice Requires="a14">
           <p:sp>
             <p:nvSpPr>
               <p:cNvPr id="3" name="Content Placeholder 2">
@@ -5729,7 +5786,7 @@
             </p:txBody>
           </p:sp>
         </mc:Choice>
-        <mc:Fallback>
+        <mc:Fallback xmlns="">
           <p:sp>
             <p:nvSpPr>
               <p:cNvPr id="3" name="Content Placeholder 2">
@@ -5827,8 +5884,8 @@
           </a:p>
         </p:txBody>
       </p:sp>
-      <mc:AlternateContent xmlns:mc="http://schemas.openxmlformats.org/markup-compatibility/2006">
-        <mc:Choice xmlns:a14="http://schemas.microsoft.com/office/drawing/2010/main" Requires="a14">
+      <mc:AlternateContent xmlns:mc="http://schemas.openxmlformats.org/markup-compatibility/2006" xmlns:a14="http://schemas.microsoft.com/office/drawing/2010/main">
+        <mc:Choice Requires="a14">
           <p:sp>
             <p:nvSpPr>
               <p:cNvPr id="3" name="Content Placeholder 2">
@@ -5975,7 +6032,7 @@
             </p:txBody>
           </p:sp>
         </mc:Choice>
-        <mc:Fallback>
+        <mc:Fallback xmlns="">
           <p:sp>
             <p:nvSpPr>
               <p:cNvPr id="3" name="Content Placeholder 2">
@@ -6107,32 +6164,37 @@
           <a:p>
             <a:r>
               <a:rPr lang="en-US" dirty="0"/>
-              <a:t>R: choses moves randomly.</a:t>
+              <a:t>R: chooses moves randomly.</a:t>
             </a:r>
           </a:p>
           <a:p>
             <a:r>
               <a:rPr lang="en-US" dirty="0"/>
-              <a:t>E: choses moves according to an engineered heuristic function.</a:t>
+              <a:t>E: chooses moves according to an engineered heuristic function.</a:t>
             </a:r>
           </a:p>
           <a:p>
             <a:r>
               <a:rPr lang="en-US" dirty="0"/>
-              <a:t>QD: choses moves according to the Q-learning dense network.</a:t>
+              <a:t>QD: chooses moves according to the Q-learning dense network.</a:t>
             </a:r>
           </a:p>
           <a:p>
             <a:r>
               <a:rPr lang="en-US" dirty="0"/>
-              <a:t>QC: choses moves according to the Q-learning CNN network.</a:t>
+              <a:t>QC: chooses moves according to the Q-learning CNN network.</a:t>
             </a:r>
           </a:p>
           <a:p>
             <a:r>
               <a:rPr lang="en-US" dirty="0"/>
-              <a:t>H: humans.</a:t>
-            </a:r>
+              <a:t>H: </a:t>
+            </a:r>
+            <a:r>
+              <a:rPr lang="en-US"/>
+              <a:t>humans choose moves.</a:t>
+            </a:r>
+            <a:endParaRPr lang="en-US" dirty="0"/>
           </a:p>
           <a:p>
             <a:pPr marL="0" indent="0">
@@ -6209,8 +6271,8 @@
           </a:p>
         </p:txBody>
       </p:sp>
-      <mc:AlternateContent xmlns:mc="http://schemas.openxmlformats.org/markup-compatibility/2006">
-        <mc:Choice xmlns:a14="http://schemas.microsoft.com/office/drawing/2010/main" Requires="a14">
+      <mc:AlternateContent xmlns:mc="http://schemas.openxmlformats.org/markup-compatibility/2006" xmlns:a14="http://schemas.microsoft.com/office/drawing/2010/main">
+        <mc:Choice Requires="a14">
           <p:graphicFrame>
             <p:nvGraphicFramePr>
               <p:cNvPr id="4" name="Content Placeholder 3">
@@ -6227,7 +6289,7 @@
                 <p:ph idx="1"/>
                 <p:extLst>
                   <p:ext uri="{D42A27DB-BD31-4B8C-83A1-F6EECF244321}">
-                    <p14:modId xmlns:p14="http://schemas.microsoft.com/office/powerpoint/2010/main" val="2540081402"/>
+                    <p14:modId xmlns:p14="http://schemas.microsoft.com/office/powerpoint/2010/main" val="4122853139"/>
                   </p:ext>
                 </p:extLst>
               </p:nvPr>
@@ -6779,7 +6841,7 @@
                         <a:p>
                           <a:r>
                             <a:rPr lang="en-US" dirty="0"/>
-                            <a:t>60.0</a:t>
+                            <a:t>53.1</a:t>
                           </a:r>
                         </a:p>
                       </a:txBody>
@@ -6794,7 +6856,7 @@
                             <a:rPr lang="en-US" dirty="0">
                               <a:effectLst/>
                             </a:rPr>
-                            <a:t>0.77</a:t>
+                            <a:t>0.38</a:t>
                           </a:r>
                           <a:endParaRPr lang="en-US" dirty="0"/>
                         </a:p>
@@ -6808,7 +6870,7 @@
                         <a:p>
                           <a:r>
                             <a:rPr lang="en-US" dirty="0"/>
-                            <a:t>15</a:t>
+                            <a:t>49</a:t>
                           </a:r>
                         </a:p>
                       </a:txBody>
@@ -6825,7 +6887,7 @@
             </a:graphic>
           </p:graphicFrame>
         </mc:Choice>
-        <mc:Fallback>
+        <mc:Fallback xmlns="">
           <p:graphicFrame>
             <p:nvGraphicFramePr>
               <p:cNvPr id="4" name="Content Placeholder 3">
@@ -6842,7 +6904,7 @@
                 <p:ph idx="1"/>
                 <p:extLst>
                   <p:ext uri="{D42A27DB-BD31-4B8C-83A1-F6EECF244321}">
-                    <p14:modId xmlns:p14="http://schemas.microsoft.com/office/powerpoint/2010/main" val="2540081402"/>
+                    <p14:modId xmlns:p14="http://schemas.microsoft.com/office/powerpoint/2010/main" val="4122853139"/>
                   </p:ext>
                 </p:extLst>
               </p:nvPr>
@@ -7329,7 +7391,7 @@
                         <a:p>
                           <a:r>
                             <a:rPr lang="en-US" dirty="0"/>
-                            <a:t>60.0</a:t>
+                            <a:t>53.1</a:t>
                           </a:r>
                         </a:p>
                       </a:txBody>
@@ -7344,7 +7406,7 @@
                             <a:rPr lang="en-US" dirty="0">
                               <a:effectLst/>
                             </a:rPr>
-                            <a:t>0.77</a:t>
+                            <a:t>0.38</a:t>
                           </a:r>
                           <a:endParaRPr lang="en-US" dirty="0"/>
                         </a:p>
@@ -7358,7 +7420,7 @@
                         <a:p>
                           <a:r>
                             <a:rPr lang="en-US" dirty="0"/>
-                            <a:t>15</a:t>
+                            <a:t>49</a:t>
                           </a:r>
                         </a:p>
                       </a:txBody>
